--- a/AMELIORATION DU REFERENCEMENT.pptx
+++ b/AMELIORATION DU REFERENCEMENT.pptx
@@ -3526,7 +3526,7 @@
         </p:spPr>
         <p:txBody>
           <a:bodyPr>
-            <a:normAutofit fontScale="92500" lnSpcReduction="20000"/>
+            <a:normAutofit/>
           </a:bodyPr>
           <a:lstStyle/>
           <a:p>
@@ -3796,7 +3796,7 @@
                 <a:ea typeface="+mn-ea"/>
                 <a:cs typeface="+mn-cs"/>
               </a:rPr>
-              <a:t>keywords</a:t>
+              <a:t>description</a:t>
             </a:r>
             <a:r>
               <a:rPr kumimoji="0" lang="fr-FR" sz="2200" b="0" i="0" u="none" strike="noStrike" kern="1200" cap="none" spc="0" normalizeH="0" baseline="0" noProof="0" dirty="0">
@@ -3857,6 +3857,9 @@
                 <a:ln>
                   <a:noFill/>
                 </a:ln>
+                <a:solidFill>
+                  <a:schemeClr val="accent1"/>
+                </a:solidFill>
                 <a:effectLst/>
                 <a:uLnTx/>
                 <a:uFillTx/>
@@ -3869,32 +3872,14 @@
             <a:r>
               <a:rPr lang="fr-FR" sz="2200" dirty="0">
                 <a:solidFill>
-                  <a:schemeClr val="accent1"/>
+                  <a:srgbClr val="4472C4"/>
                 </a:solidFill>
                 <a:latin typeface="Calibri" panose="020F0502020204030204"/>
               </a:rPr>
-              <a:t>la Chouette agence,</a:t>
-            </a:r>
-            <a:r>
-              <a:rPr lang="fr-FR" sz="2200" dirty="0">
-                <a:solidFill>
-                  <a:prstClr val="black"/>
-                </a:solidFill>
-                <a:latin typeface="Calibri" panose="020F0502020204030204"/>
-              </a:rPr>
-              <a:t> </a:t>
-            </a:r>
-            <a:r>
-              <a:rPr lang="fr-FR" sz="2200" dirty="0">
-                <a:solidFill>
-                  <a:srgbClr val="0070C0"/>
-                </a:solidFill>
-                <a:latin typeface="Calibri" panose="020F0502020204030204"/>
-              </a:rPr>
-              <a:t>entreprise webdesign Lyon, </a:t>
-            </a:r>
-            <a:r>
-              <a:rPr kumimoji="0" lang="fr-FR" sz="2200" b="0" i="0" u="none" strike="noStrike" kern="1200" cap="none" spc="0" normalizeH="0" baseline="0" noProof="0" dirty="0">
+              <a:t>A</a:t>
+            </a:r>
+            <a:r>
+              <a:rPr kumimoji="0" lang="fr-FR" sz="2200" b="0" i="0" u="none" strike="noStrike" kern="1200" cap="none" spc="0" normalizeH="0" baseline="0" noProof="0" dirty="0" err="1">
                 <a:ln>
                   <a:noFill/>
                 </a:ln>
@@ -3908,10 +3893,10 @@
                 <a:ea typeface="+mn-ea"/>
                 <a:cs typeface="+mn-cs"/>
               </a:rPr>
-              <a:t>site web, stratégie web, agence web design Lyon, agence webdesign, </a:t>
-            </a:r>
-            <a:r>
-              <a:rPr kumimoji="0" lang="fr-FR" sz="2200" b="0" i="0" u="none" strike="noStrike" kern="1200" cap="none" spc="0" normalizeH="0" baseline="0" noProof="0" dirty="0" err="1">
+              <a:t>gence</a:t>
+            </a:r>
+            <a:r>
+              <a:rPr kumimoji="0" lang="fr-FR" sz="2200" b="0" i="0" u="none" strike="noStrike" kern="1200" cap="none" spc="0" normalizeH="0" baseline="0" noProof="0" dirty="0">
                 <a:ln>
                   <a:noFill/>
                 </a:ln>
@@ -3925,7 +3910,7 @@
                 <a:ea typeface="+mn-ea"/>
                 <a:cs typeface="+mn-cs"/>
               </a:rPr>
-              <a:t>seo</a:t>
+              <a:t> de web design sur Lyon, la Chouette agence sera être un allié précieux pour ….."</a:t>
             </a:r>
             <a:r>
               <a:rPr kumimoji="0" lang="fr-FR" sz="2200" b="0" i="0" u="none" strike="noStrike" kern="1200" cap="none" spc="0" normalizeH="0" baseline="0" noProof="0" dirty="0">
@@ -3933,7 +3918,7 @@
                   <a:noFill/>
                 </a:ln>
                 <a:solidFill>
-                  <a:srgbClr val="4472C4"/>
+                  <a:prstClr val="black"/>
                 </a:solidFill>
                 <a:effectLst/>
                 <a:uLnTx/>
@@ -3942,24 +3927,7 @@
                 <a:ea typeface="+mn-ea"/>
                 <a:cs typeface="+mn-cs"/>
               </a:rPr>
-              <a:t>, référencement</a:t>
-            </a:r>
-            <a:r>
-              <a:rPr kumimoji="0" lang="fr-FR" sz="2200" b="0" i="0" u="none" strike="noStrike" kern="1200" cap="none" spc="0" normalizeH="0" baseline="0" noProof="0" dirty="0">
-                <a:ln>
-                  <a:noFill/>
-                </a:ln>
-                <a:solidFill>
-                  <a:prstClr val="black"/>
-                </a:solidFill>
-                <a:effectLst/>
-                <a:uLnTx/>
-                <a:uFillTx/>
-                <a:latin typeface="Calibri" panose="020F0502020204030204"/>
-                <a:ea typeface="+mn-ea"/>
-                <a:cs typeface="+mn-cs"/>
-              </a:rPr>
-              <a:t>"&gt;</a:t>
+              <a:t>&gt;</a:t>
             </a:r>
           </a:p>
           <a:p>
@@ -4069,7 +4037,7 @@
               <a:t>="</a:t>
             </a:r>
             <a:r>
-              <a:rPr kumimoji="0" lang="fr-FR" sz="2200" b="0" i="0" u="none" strike="noStrike" kern="1200" cap="none" spc="0" normalizeH="0" baseline="0" noProof="0" dirty="0">
+              <a:rPr kumimoji="0" lang="fr-FR" sz="2200" b="0" i="0" u="none" strike="noStrike" kern="1200" cap="none" spc="0" normalizeH="0" baseline="0" noProof="0" dirty="0" err="1">
                 <a:ln>
                   <a:noFill/>
                 </a:ln>
@@ -4083,7 +4051,7 @@
                 <a:ea typeface="+mn-ea"/>
                 <a:cs typeface="+mn-cs"/>
               </a:rPr>
-              <a:t>description</a:t>
+              <a:t>viewport</a:t>
             </a:r>
             <a:r>
               <a:rPr kumimoji="0" lang="fr-FR" sz="2200" b="0" i="0" u="none" strike="noStrike" kern="1200" cap="none" spc="0" normalizeH="0" baseline="0" noProof="0" dirty="0">
@@ -4100,18 +4068,15 @@
                 <a:ea typeface="+mn-ea"/>
                 <a:cs typeface="+mn-cs"/>
               </a:rPr>
-              <a:t>" </a:t>
-            </a:r>
-            <a:r>
-              <a:rPr kumimoji="0" lang="fr-FR" sz="2200" b="0" i="0" u="none" strike="noStrike" kern="1200" cap="none" spc="0" normalizeH="0" baseline="0" noProof="0" dirty="0">
+              <a:t>" content="</a:t>
+            </a:r>
+            <a:r>
+              <a:rPr kumimoji="0" lang="fr-FR" sz="2200" b="0" i="0" u="none" strike="noStrike" kern="1200" cap="none" spc="0" normalizeH="0" baseline="0" noProof="0" dirty="0" err="1">
                 <a:ln>
                   <a:noFill/>
                 </a:ln>
                 <a:solidFill>
-                  <a:srgbClr val="70AD47">
-                    <a:lumMod val="60000"/>
-                    <a:lumOff val="40000"/>
-                  </a:srgbClr>
+                  <a:srgbClr val="4472C4"/>
                 </a:solidFill>
                 <a:effectLst/>
                 <a:uLnTx/>
@@ -4120,7 +4085,7 @@
                 <a:ea typeface="+mn-ea"/>
                 <a:cs typeface="+mn-cs"/>
               </a:rPr>
-              <a:t>content</a:t>
+              <a:t>width</a:t>
             </a:r>
             <a:r>
               <a:rPr kumimoji="0" lang="fr-FR" sz="2200" b="0" i="0" u="none" strike="noStrike" kern="1200" cap="none" spc="0" normalizeH="0" baseline="0" noProof="0" dirty="0">
@@ -4128,7 +4093,7 @@
                   <a:noFill/>
                 </a:ln>
                 <a:solidFill>
-                  <a:prstClr val="black"/>
+                  <a:srgbClr val="4472C4"/>
                 </a:solidFill>
                 <a:effectLst/>
                 <a:uLnTx/>
@@ -4140,12 +4105,12 @@
               <a:t>=</a:t>
             </a:r>
             <a:r>
-              <a:rPr kumimoji="0" lang="fr-FR" sz="2200" b="0" i="0" u="none" strike="noStrike" kern="1200" cap="none" spc="0" normalizeH="0" baseline="0" noProof="0" dirty="0">
+              <a:rPr kumimoji="0" lang="fr-FR" sz="2200" b="0" i="0" u="none" strike="noStrike" kern="1200" cap="none" spc="0" normalizeH="0" baseline="0" noProof="0" dirty="0" err="1">
                 <a:ln>
                   <a:noFill/>
                 </a:ln>
                 <a:solidFill>
-                  <a:schemeClr val="accent1"/>
+                  <a:srgbClr val="4472C4"/>
                 </a:solidFill>
                 <a:effectLst/>
                 <a:uLnTx/>
@@ -4154,19 +4119,10 @@
                 <a:ea typeface="+mn-ea"/>
                 <a:cs typeface="+mn-cs"/>
               </a:rPr>
-              <a:t>"</a:t>
-            </a:r>
-            <a:r>
-              <a:rPr lang="fr-FR" sz="2200" dirty="0">
-                <a:solidFill>
-                  <a:srgbClr val="4472C4"/>
-                </a:solidFill>
-                <a:latin typeface="Calibri" panose="020F0502020204030204"/>
-              </a:rPr>
-              <a:t>A</a:t>
-            </a:r>
-            <a:r>
-              <a:rPr kumimoji="0" lang="fr-FR" sz="2200" b="0" i="0" u="none" strike="noStrike" kern="1200" cap="none" spc="0" normalizeH="0" baseline="0" noProof="0" dirty="0" err="1">
+              <a:t>device-width</a:t>
+            </a:r>
+            <a:r>
+              <a:rPr kumimoji="0" lang="fr-FR" sz="2200" b="0" i="0" u="none" strike="noStrike" kern="1200" cap="none" spc="0" normalizeH="0" baseline="0" noProof="0" dirty="0">
                 <a:ln>
                   <a:noFill/>
                 </a:ln>
@@ -4180,10 +4136,10 @@
                 <a:ea typeface="+mn-ea"/>
                 <a:cs typeface="+mn-cs"/>
               </a:rPr>
-              <a:t>gence</a:t>
-            </a:r>
-            <a:r>
-              <a:rPr kumimoji="0" lang="fr-FR" sz="2200" b="0" i="0" u="none" strike="noStrike" kern="1200" cap="none" spc="0" normalizeH="0" baseline="0" noProof="0" dirty="0">
+              <a:t>, initial-</a:t>
+            </a:r>
+            <a:r>
+              <a:rPr kumimoji="0" lang="fr-FR" sz="2200" b="0" i="0" u="none" strike="noStrike" kern="1200" cap="none" spc="0" normalizeH="0" baseline="0" noProof="0" dirty="0" err="1">
                 <a:ln>
                   <a:noFill/>
                 </a:ln>
@@ -4197,7 +4153,7 @@
                 <a:ea typeface="+mn-ea"/>
                 <a:cs typeface="+mn-cs"/>
               </a:rPr>
-              <a:t> de web design sur Lyon, la Chouette agence sera être un allié précieux pour ….."</a:t>
+              <a:t>scale</a:t>
             </a:r>
             <a:r>
               <a:rPr kumimoji="0" lang="fr-FR" sz="2200" b="0" i="0" u="none" strike="noStrike" kern="1200" cap="none" spc="0" normalizeH="0" baseline="0" noProof="0" dirty="0">
@@ -4205,7 +4161,7 @@
                   <a:noFill/>
                 </a:ln>
                 <a:solidFill>
-                  <a:prstClr val="black"/>
+                  <a:srgbClr val="4472C4"/>
                 </a:solidFill>
                 <a:effectLst/>
                 <a:uLnTx/>
@@ -4214,7 +4170,24 @@
                 <a:ea typeface="+mn-ea"/>
                 <a:cs typeface="+mn-cs"/>
               </a:rPr>
-              <a:t>&gt;</a:t>
+              <a:t>=1.0</a:t>
+            </a:r>
+            <a:r>
+              <a:rPr kumimoji="0" lang="fr-FR" sz="2200" b="0" i="0" u="none" strike="noStrike" kern="1200" cap="none" spc="0" normalizeH="0" baseline="0" noProof="0" dirty="0">
+                <a:ln>
+                  <a:noFill/>
+                </a:ln>
+                <a:solidFill>
+                  <a:prstClr val="black"/>
+                </a:solidFill>
+                <a:effectLst/>
+                <a:uLnTx/>
+                <a:uFillTx/>
+                <a:latin typeface="Calibri" panose="020F0502020204030204"/>
+                <a:ea typeface="+mn-ea"/>
+                <a:cs typeface="+mn-cs"/>
+              </a:rPr>
+              <a:t>"&gt;</a:t>
             </a:r>
           </a:p>
           <a:p>
@@ -4267,7 +4240,7 @@
                 <a:ea typeface="+mn-ea"/>
                 <a:cs typeface="+mn-cs"/>
               </a:rPr>
-              <a:t>meta</a:t>
+              <a:t>link</a:t>
             </a:r>
             <a:r>
               <a:rPr kumimoji="0" lang="fr-FR" sz="2200" b="0" i="0" u="none" strike="noStrike" kern="1200" cap="none" spc="0" normalizeH="0" baseline="0" noProof="0" dirty="0">
@@ -4287,7 +4260,7 @@
               <a:t> </a:t>
             </a:r>
             <a:r>
-              <a:rPr kumimoji="0" lang="fr-FR" sz="2200" b="0" i="0" u="none" strike="noStrike" kern="1200" cap="none" spc="0" normalizeH="0" baseline="0" noProof="0" dirty="0" err="1">
+              <a:rPr kumimoji="0" lang="fr-FR" sz="2200" b="0" i="0" u="none" strike="noStrike" kern="1200" cap="none" spc="0" normalizeH="0" baseline="0" noProof="0" dirty="0">
                 <a:ln>
                   <a:noFill/>
                 </a:ln>
@@ -4304,7 +4277,7 @@
                 <a:ea typeface="+mn-ea"/>
                 <a:cs typeface="+mn-cs"/>
               </a:rPr>
-              <a:t>name</a:t>
+              <a:t>rel</a:t>
             </a:r>
             <a:r>
               <a:rPr kumimoji="0" lang="fr-FR" sz="2200" b="0" i="0" u="none" strike="noStrike" kern="1200" cap="none" spc="0" normalizeH="0" baseline="0" noProof="0" dirty="0">
@@ -4338,7 +4311,7 @@
                 <a:ea typeface="+mn-ea"/>
                 <a:cs typeface="+mn-cs"/>
               </a:rPr>
-              <a:t>viewport</a:t>
+              <a:t>shortcut</a:t>
             </a:r>
             <a:r>
               <a:rPr kumimoji="0" lang="fr-FR" sz="2200" b="0" i="0" u="none" strike="noStrike" kern="1200" cap="none" spc="0" normalizeH="0" baseline="0" noProof="0" dirty="0">
@@ -4355,7 +4328,7 @@
                 <a:ea typeface="+mn-ea"/>
                 <a:cs typeface="+mn-cs"/>
               </a:rPr>
-              <a:t>" content="</a:t>
+              <a:t> </a:t>
             </a:r>
             <a:r>
               <a:rPr kumimoji="0" lang="fr-FR" sz="2200" b="0" i="0" u="none" strike="noStrike" kern="1200" cap="none" spc="0" normalizeH="0" baseline="0" noProof="0" dirty="0" err="1">
@@ -4372,7 +4345,7 @@
                 <a:ea typeface="+mn-ea"/>
                 <a:cs typeface="+mn-cs"/>
               </a:rPr>
-              <a:t>width</a:t>
+              <a:t>icon</a:t>
             </a:r>
             <a:r>
               <a:rPr kumimoji="0" lang="fr-FR" sz="2200" b="0" i="0" u="none" strike="noStrike" kern="1200" cap="none" spc="0" normalizeH="0" baseline="0" noProof="0" dirty="0">
@@ -4380,7 +4353,7 @@
                   <a:noFill/>
                 </a:ln>
                 <a:solidFill>
-                  <a:srgbClr val="4472C4"/>
+                  <a:prstClr val="black"/>
                 </a:solidFill>
                 <a:effectLst/>
                 <a:uLnTx/>
@@ -4389,15 +4362,18 @@
                 <a:ea typeface="+mn-ea"/>
                 <a:cs typeface="+mn-cs"/>
               </a:rPr>
-              <a:t>=</a:t>
-            </a:r>
-            <a:r>
-              <a:rPr kumimoji="0" lang="fr-FR" sz="2200" b="0" i="0" u="none" strike="noStrike" kern="1200" cap="none" spc="0" normalizeH="0" baseline="0" noProof="0" dirty="0" err="1">
+              <a:t>" </a:t>
+            </a:r>
+            <a:r>
+              <a:rPr kumimoji="0" lang="fr-FR" sz="2200" b="0" i="0" u="none" strike="noStrike" kern="1200" cap="none" spc="0" normalizeH="0" baseline="0" noProof="0" dirty="0">
                 <a:ln>
                   <a:noFill/>
                 </a:ln>
                 <a:solidFill>
-                  <a:srgbClr val="4472C4"/>
+                  <a:srgbClr val="70AD47">
+                    <a:lumMod val="60000"/>
+                    <a:lumOff val="40000"/>
+                  </a:srgbClr>
                 </a:solidFill>
                 <a:effectLst/>
                 <a:uLnTx/>
@@ -4406,7 +4382,7 @@
                 <a:ea typeface="+mn-ea"/>
                 <a:cs typeface="+mn-cs"/>
               </a:rPr>
-              <a:t>device-width</a:t>
+              <a:t>type</a:t>
             </a:r>
             <a:r>
               <a:rPr kumimoji="0" lang="fr-FR" sz="2200" b="0" i="0" u="none" strike="noStrike" kern="1200" cap="none" spc="0" normalizeH="0" baseline="0" noProof="0" dirty="0">
@@ -4414,7 +4390,7 @@
                   <a:noFill/>
                 </a:ln>
                 <a:solidFill>
-                  <a:srgbClr val="4472C4"/>
+                  <a:prstClr val="black"/>
                 </a:solidFill>
                 <a:effectLst/>
                 <a:uLnTx/>
@@ -4423,10 +4399,10 @@
                 <a:ea typeface="+mn-ea"/>
                 <a:cs typeface="+mn-cs"/>
               </a:rPr>
-              <a:t>, initial-</a:t>
-            </a:r>
-            <a:r>
-              <a:rPr kumimoji="0" lang="fr-FR" sz="2200" b="0" i="0" u="none" strike="noStrike" kern="1200" cap="none" spc="0" normalizeH="0" baseline="0" noProof="0" dirty="0" err="1">
+              <a:t>="</a:t>
+            </a:r>
+            <a:r>
+              <a:rPr kumimoji="0" lang="fr-FR" sz="2200" b="0" i="0" u="none" strike="noStrike" kern="1200" cap="none" spc="0" normalizeH="0" baseline="0" noProof="0" dirty="0">
                 <a:ln>
                   <a:noFill/>
                 </a:ln>
@@ -4440,10 +4416,10 @@
                 <a:ea typeface="+mn-ea"/>
                 <a:cs typeface="+mn-cs"/>
               </a:rPr>
-              <a:t>scale</a:t>
-            </a:r>
-            <a:r>
-              <a:rPr kumimoji="0" lang="fr-FR" sz="2200" b="0" i="0" u="none" strike="noStrike" kern="1200" cap="none" spc="0" normalizeH="0" baseline="0" noProof="0" dirty="0">
+              <a:t>image/</a:t>
+            </a:r>
+            <a:r>
+              <a:rPr kumimoji="0" lang="fr-FR" sz="2200" b="0" i="0" u="none" strike="noStrike" kern="1200" cap="none" spc="0" normalizeH="0" baseline="0" noProof="0" dirty="0" err="1">
                 <a:ln>
                   <a:noFill/>
                 </a:ln>
@@ -4457,7 +4433,7 @@
                 <a:ea typeface="+mn-ea"/>
                 <a:cs typeface="+mn-cs"/>
               </a:rPr>
-              <a:t>=1.0</a:t>
+              <a:t>ico</a:t>
             </a:r>
             <a:r>
               <a:rPr kumimoji="0" lang="fr-FR" sz="2200" b="0" i="0" u="none" strike="noStrike" kern="1200" cap="none" spc="0" normalizeH="0" baseline="0" noProof="0" dirty="0">
@@ -4474,34 +4450,18 @@
                 <a:ea typeface="+mn-ea"/>
                 <a:cs typeface="+mn-cs"/>
               </a:rPr>
-              <a:t>"&gt;</a:t>
-            </a:r>
-          </a:p>
-          <a:p>
-            <a:pPr marL="0" marR="0" lvl="0" indent="0" algn="l" defTabSz="914400" rtl="0" eaLnBrk="1" fontAlgn="auto" latinLnBrk="0" hangingPunct="1">
-              <a:lnSpc>
-                <a:spcPct val="90000"/>
-              </a:lnSpc>
-              <a:spcBef>
-                <a:spcPts val="1000"/>
-              </a:spcBef>
-              <a:spcAft>
-                <a:spcPts val="0"/>
-              </a:spcAft>
-              <a:buClrTx/>
-              <a:buSzTx/>
-              <a:buFont typeface="Arial" panose="020B0604020202020204" pitchFamily="34" charset="0"/>
-              <a:buNone/>
-              <a:tabLst/>
-              <a:defRPr/>
-            </a:pPr>
+              <a:t>" </a:t>
+            </a:r>
             <a:r>
               <a:rPr kumimoji="0" lang="fr-FR" sz="2200" b="0" i="0" u="none" strike="noStrike" kern="1200" cap="none" spc="0" normalizeH="0" baseline="0" noProof="0" dirty="0">
                 <a:ln>
                   <a:noFill/>
                 </a:ln>
                 <a:solidFill>
-                  <a:prstClr val="black"/>
+                  <a:srgbClr val="70AD47">
+                    <a:lumMod val="60000"/>
+                    <a:lumOff val="40000"/>
+                  </a:srgbClr>
                 </a:solidFill>
                 <a:effectLst/>
                 <a:uLnTx/>
@@ -4510,10 +4470,10 @@
                 <a:ea typeface="+mn-ea"/>
                 <a:cs typeface="+mn-cs"/>
               </a:rPr>
-              <a:t>&lt;</a:t>
-            </a:r>
-            <a:r>
-              <a:rPr kumimoji="0" lang="fr-FR" sz="2200" b="0" i="0" u="none" strike="noStrike" kern="1200" cap="none" spc="0" normalizeH="0" baseline="0" noProof="0" dirty="0" err="1">
+              <a:t>href</a:t>
+            </a:r>
+            <a:r>
+              <a:rPr kumimoji="0" lang="fr-FR" sz="2200" b="0" i="0" u="none" strike="noStrike" kern="1200" cap="none" spc="0" normalizeH="0" baseline="0" noProof="0" dirty="0">
                 <a:ln>
                   <a:noFill/>
                 </a:ln>
@@ -4527,7 +4487,7 @@
                 <a:ea typeface="+mn-ea"/>
                 <a:cs typeface="+mn-cs"/>
               </a:rPr>
-              <a:t>link</a:t>
+              <a:t>="</a:t>
             </a:r>
             <a:r>
               <a:rPr kumimoji="0" lang="fr-FR" sz="2200" b="0" i="0" u="none" strike="noStrike" kern="1200" cap="none" spc="0" normalizeH="0" baseline="0" noProof="0" dirty="0">
@@ -4535,7 +4495,7 @@
                   <a:noFill/>
                 </a:ln>
                 <a:solidFill>
-                  <a:prstClr val="black"/>
+                  <a:srgbClr val="4472C4"/>
                 </a:solidFill>
                 <a:effectLst/>
                 <a:uLnTx/>
@@ -4544,7 +4504,7 @@
                 <a:ea typeface="+mn-ea"/>
                 <a:cs typeface="+mn-cs"/>
               </a:rPr>
-              <a:t> </a:t>
+              <a:t>favicon</a:t>
             </a:r>
             <a:r>
               <a:rPr kumimoji="0" lang="fr-FR" sz="2200" b="0" i="0" u="none" strike="noStrike" kern="1200" cap="none" spc="0" normalizeH="0" baseline="0" noProof="0" dirty="0">
@@ -4552,10 +4512,7 @@
                   <a:noFill/>
                 </a:ln>
                 <a:solidFill>
-                  <a:srgbClr val="70AD47">
-                    <a:lumMod val="60000"/>
-                    <a:lumOff val="40000"/>
-                  </a:srgbClr>
+                  <a:prstClr val="black"/>
                 </a:solidFill>
                 <a:effectLst/>
                 <a:uLnTx/>
@@ -4564,7 +4521,7 @@
                 <a:ea typeface="+mn-ea"/>
                 <a:cs typeface="+mn-cs"/>
               </a:rPr>
-              <a:t>rel</a:t>
+              <a:t>.</a:t>
             </a:r>
             <a:r>
               <a:rPr kumimoji="0" lang="fr-FR" sz="2200" b="0" i="0" u="none" strike="noStrike" kern="1200" cap="none" spc="0" normalizeH="0" baseline="0" noProof="0" dirty="0">
@@ -4572,7 +4529,7 @@
                   <a:noFill/>
                 </a:ln>
                 <a:solidFill>
-                  <a:prstClr val="black"/>
+                  <a:srgbClr val="4472C4"/>
                 </a:solidFill>
                 <a:effectLst/>
                 <a:uLnTx/>
@@ -4581,234 +4538,7 @@
                 <a:ea typeface="+mn-ea"/>
                 <a:cs typeface="+mn-cs"/>
               </a:rPr>
-              <a:t>="</a:t>
-            </a:r>
-            <a:r>
-              <a:rPr kumimoji="0" lang="fr-FR" sz="2200" b="0" i="0" u="none" strike="noStrike" kern="1200" cap="none" spc="0" normalizeH="0" baseline="0" noProof="0" dirty="0" err="1">
-                <a:ln>
-                  <a:noFill/>
-                </a:ln>
-                <a:solidFill>
-                  <a:srgbClr val="4472C4"/>
-                </a:solidFill>
-                <a:effectLst/>
-                <a:uLnTx/>
-                <a:uFillTx/>
-                <a:latin typeface="Calibri" panose="020F0502020204030204"/>
-                <a:ea typeface="+mn-ea"/>
-                <a:cs typeface="+mn-cs"/>
-              </a:rPr>
-              <a:t>shortcut</a:t>
-            </a:r>
-            <a:r>
-              <a:rPr kumimoji="0" lang="fr-FR" sz="2200" b="0" i="0" u="none" strike="noStrike" kern="1200" cap="none" spc="0" normalizeH="0" baseline="0" noProof="0" dirty="0">
-                <a:ln>
-                  <a:noFill/>
-                </a:ln>
-                <a:solidFill>
-                  <a:prstClr val="black"/>
-                </a:solidFill>
-                <a:effectLst/>
-                <a:uLnTx/>
-                <a:uFillTx/>
-                <a:latin typeface="Calibri" panose="020F0502020204030204"/>
-                <a:ea typeface="+mn-ea"/>
-                <a:cs typeface="+mn-cs"/>
-              </a:rPr>
-              <a:t> </a:t>
-            </a:r>
-            <a:r>
-              <a:rPr kumimoji="0" lang="fr-FR" sz="2200" b="0" i="0" u="none" strike="noStrike" kern="1200" cap="none" spc="0" normalizeH="0" baseline="0" noProof="0" dirty="0" err="1">
-                <a:ln>
-                  <a:noFill/>
-                </a:ln>
-                <a:solidFill>
-                  <a:srgbClr val="4472C4"/>
-                </a:solidFill>
-                <a:effectLst/>
-                <a:uLnTx/>
-                <a:uFillTx/>
-                <a:latin typeface="Calibri" panose="020F0502020204030204"/>
-                <a:ea typeface="+mn-ea"/>
-                <a:cs typeface="+mn-cs"/>
-              </a:rPr>
-              <a:t>icon</a:t>
-            </a:r>
-            <a:r>
-              <a:rPr kumimoji="0" lang="fr-FR" sz="2200" b="0" i="0" u="none" strike="noStrike" kern="1200" cap="none" spc="0" normalizeH="0" baseline="0" noProof="0" dirty="0">
-                <a:ln>
-                  <a:noFill/>
-                </a:ln>
-                <a:solidFill>
-                  <a:prstClr val="black"/>
-                </a:solidFill>
-                <a:effectLst/>
-                <a:uLnTx/>
-                <a:uFillTx/>
-                <a:latin typeface="Calibri" panose="020F0502020204030204"/>
-                <a:ea typeface="+mn-ea"/>
-                <a:cs typeface="+mn-cs"/>
-              </a:rPr>
-              <a:t>" </a:t>
-            </a:r>
-            <a:r>
-              <a:rPr kumimoji="0" lang="fr-FR" sz="2200" b="0" i="0" u="none" strike="noStrike" kern="1200" cap="none" spc="0" normalizeH="0" baseline="0" noProof="0" dirty="0">
-                <a:ln>
-                  <a:noFill/>
-                </a:ln>
-                <a:solidFill>
-                  <a:srgbClr val="70AD47">
-                    <a:lumMod val="60000"/>
-                    <a:lumOff val="40000"/>
-                  </a:srgbClr>
-                </a:solidFill>
-                <a:effectLst/>
-                <a:uLnTx/>
-                <a:uFillTx/>
-                <a:latin typeface="Calibri" panose="020F0502020204030204"/>
-                <a:ea typeface="+mn-ea"/>
-                <a:cs typeface="+mn-cs"/>
-              </a:rPr>
-              <a:t>type</a:t>
-            </a:r>
-            <a:r>
-              <a:rPr kumimoji="0" lang="fr-FR" sz="2200" b="0" i="0" u="none" strike="noStrike" kern="1200" cap="none" spc="0" normalizeH="0" baseline="0" noProof="0" dirty="0">
-                <a:ln>
-                  <a:noFill/>
-                </a:ln>
-                <a:solidFill>
-                  <a:prstClr val="black"/>
-                </a:solidFill>
-                <a:effectLst/>
-                <a:uLnTx/>
-                <a:uFillTx/>
-                <a:latin typeface="Calibri" panose="020F0502020204030204"/>
-                <a:ea typeface="+mn-ea"/>
-                <a:cs typeface="+mn-cs"/>
-              </a:rPr>
-              <a:t>="</a:t>
-            </a:r>
-            <a:r>
-              <a:rPr kumimoji="0" lang="fr-FR" sz="2200" b="0" i="0" u="none" strike="noStrike" kern="1200" cap="none" spc="0" normalizeH="0" baseline="0" noProof="0" dirty="0">
-                <a:ln>
-                  <a:noFill/>
-                </a:ln>
-                <a:solidFill>
-                  <a:srgbClr val="4472C4"/>
-                </a:solidFill>
-                <a:effectLst/>
-                <a:uLnTx/>
-                <a:uFillTx/>
-                <a:latin typeface="Calibri" panose="020F0502020204030204"/>
-                <a:ea typeface="+mn-ea"/>
-                <a:cs typeface="+mn-cs"/>
-              </a:rPr>
-              <a:t>image/jpg</a:t>
-            </a:r>
-            <a:r>
-              <a:rPr kumimoji="0" lang="fr-FR" sz="2200" b="0" i="0" u="none" strike="noStrike" kern="1200" cap="none" spc="0" normalizeH="0" baseline="0" noProof="0" dirty="0">
-                <a:ln>
-                  <a:noFill/>
-                </a:ln>
-                <a:solidFill>
-                  <a:prstClr val="black"/>
-                </a:solidFill>
-                <a:effectLst/>
-                <a:uLnTx/>
-                <a:uFillTx/>
-                <a:latin typeface="Calibri" panose="020F0502020204030204"/>
-                <a:ea typeface="+mn-ea"/>
-                <a:cs typeface="+mn-cs"/>
-              </a:rPr>
-              <a:t>" </a:t>
-            </a:r>
-            <a:r>
-              <a:rPr kumimoji="0" lang="fr-FR" sz="2200" b="0" i="0" u="none" strike="noStrike" kern="1200" cap="none" spc="0" normalizeH="0" baseline="0" noProof="0" dirty="0">
-                <a:ln>
-                  <a:noFill/>
-                </a:ln>
-                <a:solidFill>
-                  <a:srgbClr val="70AD47">
-                    <a:lumMod val="60000"/>
-                    <a:lumOff val="40000"/>
-                  </a:srgbClr>
-                </a:solidFill>
-                <a:effectLst/>
-                <a:uLnTx/>
-                <a:uFillTx/>
-                <a:latin typeface="Calibri" panose="020F0502020204030204"/>
-                <a:ea typeface="+mn-ea"/>
-                <a:cs typeface="+mn-cs"/>
-              </a:rPr>
-              <a:t>href</a:t>
-            </a:r>
-            <a:r>
-              <a:rPr kumimoji="0" lang="fr-FR" sz="2200" b="0" i="0" u="none" strike="noStrike" kern="1200" cap="none" spc="0" normalizeH="0" baseline="0" noProof="0" dirty="0">
-                <a:ln>
-                  <a:noFill/>
-                </a:ln>
-                <a:solidFill>
-                  <a:prstClr val="black"/>
-                </a:solidFill>
-                <a:effectLst/>
-                <a:uLnTx/>
-                <a:uFillTx/>
-                <a:latin typeface="Calibri" panose="020F0502020204030204"/>
-                <a:ea typeface="+mn-ea"/>
-                <a:cs typeface="+mn-cs"/>
-              </a:rPr>
-              <a:t>="</a:t>
-            </a:r>
-            <a:r>
-              <a:rPr kumimoji="0" lang="fr-FR" sz="2200" b="0" i="0" u="none" strike="noStrike" kern="1200" cap="none" spc="0" normalizeH="0" baseline="0" noProof="0" dirty="0">
-                <a:ln>
-                  <a:noFill/>
-                </a:ln>
-                <a:solidFill>
-                  <a:srgbClr val="4472C4"/>
-                </a:solidFill>
-                <a:effectLst/>
-                <a:uLnTx/>
-                <a:uFillTx/>
-                <a:latin typeface="Calibri" panose="020F0502020204030204"/>
-                <a:ea typeface="+mn-ea"/>
-                <a:cs typeface="+mn-cs"/>
-              </a:rPr>
-              <a:t>favicon</a:t>
-            </a:r>
-            <a:r>
-              <a:rPr kumimoji="0" lang="fr-FR" sz="2200" b="0" i="0" u="none" strike="noStrike" kern="1200" cap="none" spc="0" normalizeH="0" baseline="0" noProof="0" dirty="0">
-                <a:ln>
-                  <a:noFill/>
-                </a:ln>
-                <a:solidFill>
-                  <a:prstClr val="black"/>
-                </a:solidFill>
-                <a:effectLst/>
-                <a:uLnTx/>
-                <a:uFillTx/>
-                <a:latin typeface="Calibri" panose="020F0502020204030204"/>
-                <a:ea typeface="+mn-ea"/>
-                <a:cs typeface="+mn-cs"/>
-              </a:rPr>
-              <a:t>.</a:t>
-            </a:r>
-            <a:r>
-              <a:rPr kumimoji="0" lang="fr-FR" sz="2200" b="0" i="0" u="none" strike="noStrike" kern="1200" cap="none" spc="0" normalizeH="0" baseline="0" noProof="0" dirty="0">
-                <a:ln>
-                  <a:noFill/>
-                </a:ln>
-                <a:solidFill>
-                  <a:srgbClr val="4472C4"/>
-                </a:solidFill>
-                <a:effectLst/>
-                <a:uLnTx/>
-                <a:uFillTx/>
-                <a:latin typeface="Calibri" panose="020F0502020204030204"/>
-                <a:ea typeface="+mn-ea"/>
-                <a:cs typeface="+mn-cs"/>
-              </a:rPr>
-              <a:t>jpg</a:t>
+              <a:t>ico</a:t>
             </a:r>
             <a:r>
               <a:rPr kumimoji="0" lang="fr-FR" sz="2200" b="0" i="0" u="none" strike="noStrike" kern="1200" cap="none" spc="0" normalizeH="0" baseline="0" noProof="0" dirty="0">
@@ -8496,7 +8226,7 @@
             </a:pPr>
             <a:r>
               <a:rPr lang="fr-FR" dirty="0"/>
-              <a:t>Utiliser les ARIA </a:t>
+              <a:t>Suppression des attributs invalides</a:t>
             </a:r>
           </a:p>
           <a:p>
@@ -9058,6 +8788,16 @@
             </a:r>
           </a:p>
           <a:p>
+            <a:r>
+              <a:rPr lang="fr-FR" dirty="0" err="1"/>
+              <a:t>Scrolltotop</a:t>
+            </a:r>
+            <a:r>
+              <a:rPr lang="fr-FR" dirty="0"/>
+              <a:t> non fonctionnel.</a:t>
+            </a:r>
+          </a:p>
+          <a:p>
             <a:pPr marL="0" indent="0">
               <a:buNone/>
             </a:pPr>
@@ -10457,7 +10197,7 @@
         </p:spPr>
         <p:txBody>
           <a:bodyPr>
-            <a:normAutofit fontScale="55000" lnSpcReduction="20000"/>
+            <a:normAutofit fontScale="62500" lnSpcReduction="20000"/>
           </a:bodyPr>
           <a:lstStyle/>
           <a:p>
@@ -11008,22 +10748,6 @@
             <a:pPr marL="0" indent="0">
               <a:buNone/>
             </a:pPr>
-            <a:endParaRPr lang="fr-FR" dirty="0"/>
-          </a:p>
-          <a:p>
-            <a:pPr marL="0" indent="0">
-              <a:buNone/>
-            </a:pPr>
-            <a:endParaRPr lang="fr-FR" dirty="0"/>
-          </a:p>
-          <a:p>
-            <a:pPr marL="0" indent="0">
-              <a:buNone/>
-            </a:pPr>
-            <a:r>
-              <a:rPr lang="en-US" dirty="0"/>
-              <a:t>&lt;meta name="robots" content="index, follow"&gt;</a:t>
-            </a:r>
             <a:endParaRPr lang="fr-FR" dirty="0"/>
           </a:p>
         </p:txBody>
@@ -11052,7 +10776,7 @@
         </p:spPr>
         <p:txBody>
           <a:bodyPr>
-            <a:normAutofit fontScale="55000" lnSpcReduction="20000"/>
+            <a:normAutofit fontScale="62500" lnSpcReduction="20000"/>
           </a:bodyPr>
           <a:lstStyle/>
           <a:p>

--- a/AMELIORATION DU REFERENCEMENT.pptx
+++ b/AMELIORATION DU REFERENCEMENT.pptx
@@ -8233,6 +8233,20 @@
             <a:pPr marL="0" indent="0">
               <a:buNone/>
             </a:pPr>
+            <a:r>
+              <a:rPr lang="fr-FR" dirty="0"/>
+              <a:t>Modification du fichier </a:t>
+            </a:r>
+            <a:r>
+              <a:rPr lang="fr-FR" dirty="0" err="1"/>
+              <a:t>php</a:t>
+            </a:r>
+            <a:endParaRPr lang="fr-FR" dirty="0"/>
+          </a:p>
+          <a:p>
+            <a:pPr marL="0" indent="0">
+              <a:buNone/>
+            </a:pPr>
             <a:endParaRPr lang="fr-FR" dirty="0"/>
           </a:p>
         </p:txBody>
@@ -9385,7 +9399,15 @@
             </a:pPr>
             <a:r>
               <a:rPr lang="fr-FR" dirty="0"/>
-              <a:t>		(moins de 1% de la taille initiale)</a:t>
+              <a:t>		(moins </a:t>
+            </a:r>
+            <a:r>
+              <a:rPr lang="fr-FR"/>
+              <a:t>de 1% </a:t>
+            </a:r>
+            <a:r>
+              <a:rPr lang="fr-FR" dirty="0"/>
+              <a:t>de la taille initiale)</a:t>
             </a:r>
           </a:p>
           <a:p>
@@ -9409,13 +9431,8 @@
           <a:p>
             <a:r>
               <a:rPr lang="fr-FR" dirty="0"/>
-              <a:t>Taille du dossier après amélioration</a:t>
-            </a:r>
-            <a:r>
-              <a:rPr lang="fr-FR"/>
-              <a:t>: 309Ko (4%)</a:t>
-            </a:r>
-            <a:endParaRPr lang="fr-FR" dirty="0"/>
+              <a:t>Taille du dossier après amélioration: 309Ko (4%)</a:t>
+            </a:r>
           </a:p>
           <a:p>
             <a:r>
